--- a/img/Publicidad2.pptx
+++ b/img/Publicidad2.pptx
@@ -14,7 +14,7 @@
     <p:sldId id="352" r:id="rId2"/>
     <p:sldId id="355" r:id="rId3"/>
   </p:sldIdLst>
-  <p:sldSz cx="10799763" cy="18000663"/>
+  <p:sldSz cx="10799763" cy="16200438"/>
   <p:notesSz cx="7010400" cy="9296400"/>
   <p:defaultTextStyle>
     <a:defPPr>
@@ -114,7 +114,7 @@
   <p:extLst>
     <p:ext uri="{EFAFB233-063F-42B5-8137-9DF3F51BA10A}">
       <p15:sldGuideLst xmlns:p15="http://schemas.microsoft.com/office/powerpoint/2012/main">
-        <p15:guide id="1" orient="horz" pos="5670" userDrawn="1">
+        <p15:guide id="1" orient="horz" pos="5103" userDrawn="1">
           <p15:clr>
             <a:srgbClr val="A4A3A4"/>
           </p15:clr>
@@ -398,8 +398,8 @@
         </p:nvSpPr>
         <p:spPr>
           <a:xfrm>
-            <a:off x="2459038" y="696913"/>
-            <a:ext cx="2092325" cy="3486150"/>
+            <a:off x="2344738" y="696913"/>
+            <a:ext cx="2320925" cy="3486150"/>
           </a:xfrm>
           <a:prstGeom prst="rect">
             <a:avLst/>
@@ -687,8 +687,8 @@
         </p:nvSpPr>
         <p:spPr>
           <a:xfrm>
-            <a:off x="2856046" y="16771317"/>
-            <a:ext cx="5087676" cy="337657"/>
+            <a:off x="2856046" y="15094038"/>
+            <a:ext cx="5087676" cy="313163"/>
           </a:xfrm>
           <a:prstGeom prst="rect">
             <a:avLst/>
@@ -703,7 +703,7 @@
           <a:p>
             <a:pPr algn="ctr"/>
             <a:r>
-              <a:rPr lang="es-ES" sz="1594" dirty="0">
+              <a:rPr lang="es-ES" sz="1435" dirty="0">
                 <a:solidFill>
                   <a:schemeClr val="bg1">
                     <a:lumMod val="85000"/>
@@ -731,8 +731,8 @@
         </p:nvSpPr>
         <p:spPr>
           <a:xfrm>
-            <a:off x="6880478" y="493488"/>
-            <a:ext cx="3330137" cy="15477630"/>
+            <a:off x="6880479" y="444135"/>
+            <a:ext cx="3330137" cy="13929731"/>
           </a:xfrm>
           <a:prstGeom prst="rect">
             <a:avLst/>
@@ -746,7 +746,7 @@
           <a:lstStyle/>
           <a:p>
             <a:r>
-              <a:rPr lang="es-PE" sz="1772" b="1" dirty="0">
+              <a:rPr lang="es-PE" sz="1595" b="1" dirty="0">
                 <a:solidFill>
                   <a:schemeClr val="tx2">
                     <a:lumMod val="50000"/>
@@ -759,7 +759,7 @@
           </a:p>
           <a:p>
             <a:r>
-              <a:rPr lang="es-PE" sz="1594" dirty="0">
+              <a:rPr lang="es-PE" sz="1435" dirty="0">
                 <a:solidFill>
                   <a:schemeClr val="tx1">
                     <a:lumMod val="50000"/>
@@ -772,7 +772,7 @@
             </a:r>
           </a:p>
           <a:p>
-            <a:endParaRPr lang="es-PE" sz="2598" dirty="0">
+            <a:endParaRPr lang="es-PE" sz="2338" dirty="0">
               <a:solidFill>
                 <a:schemeClr val="tx1">
                   <a:lumMod val="50000"/>
@@ -784,7 +784,7 @@
           </a:p>
           <a:p>
             <a:r>
-              <a:rPr lang="es-PE" sz="1772" b="1" dirty="0">
+              <a:rPr lang="es-PE" sz="1595" b="1" dirty="0">
                 <a:solidFill>
                   <a:schemeClr val="tx2">
                     <a:lumMod val="50000"/>
@@ -797,7 +797,7 @@
           </a:p>
           <a:p>
             <a:r>
-              <a:rPr lang="es-PE" sz="1772" b="1" dirty="0">
+              <a:rPr lang="es-PE" sz="1595" b="1" dirty="0">
                 <a:solidFill>
                   <a:schemeClr val="tx2">
                     <a:lumMod val="50000"/>
@@ -810,7 +810,7 @@
           </a:p>
           <a:p>
             <a:r>
-              <a:rPr lang="es-PE" sz="1594" dirty="0">
+              <a:rPr lang="es-PE" sz="1435" dirty="0">
                 <a:solidFill>
                   <a:schemeClr val="tx1">
                     <a:lumMod val="50000"/>
@@ -823,7 +823,7 @@
             </a:r>
           </a:p>
           <a:p>
-            <a:endParaRPr lang="es-PE" sz="2598" dirty="0">
+            <a:endParaRPr lang="es-PE" sz="2338" dirty="0">
               <a:solidFill>
                 <a:schemeClr val="tx1">
                   <a:lumMod val="50000"/>
@@ -835,7 +835,7 @@
           </a:p>
           <a:p>
             <a:r>
-              <a:rPr lang="es-PE" sz="1772" b="1" dirty="0">
+              <a:rPr lang="es-PE" sz="1595" b="1" dirty="0">
                 <a:solidFill>
                   <a:schemeClr val="tx2">
                     <a:lumMod val="50000"/>
@@ -848,7 +848,7 @@
           </a:p>
           <a:p>
             <a:r>
-              <a:rPr lang="es-PE" sz="1594" dirty="0">
+              <a:rPr lang="es-PE" sz="1435" dirty="0">
                 <a:solidFill>
                   <a:schemeClr val="tx1">
                     <a:lumMod val="50000"/>
@@ -861,7 +861,7 @@
             </a:r>
           </a:p>
           <a:p>
-            <a:endParaRPr lang="es-PE" sz="2598" dirty="0">
+            <a:endParaRPr lang="es-PE" sz="2338" dirty="0">
               <a:solidFill>
                 <a:schemeClr val="tx1">
                   <a:lumMod val="50000"/>
@@ -873,7 +873,7 @@
           </a:p>
           <a:p>
             <a:r>
-              <a:rPr lang="es-PE" sz="1772" b="1" dirty="0">
+              <a:rPr lang="es-PE" sz="1595" b="1" dirty="0">
                 <a:solidFill>
                   <a:schemeClr val="tx2">
                     <a:lumMod val="50000"/>
@@ -886,7 +886,7 @@
           </a:p>
           <a:p>
             <a:r>
-              <a:rPr lang="es-PE" sz="1594" dirty="0">
+              <a:rPr lang="es-PE" sz="1435" dirty="0">
                 <a:solidFill>
                   <a:schemeClr val="tx1">
                     <a:lumMod val="50000"/>
@@ -928,8 +928,8 @@
         </p:blipFill>
         <p:spPr>
           <a:xfrm>
-            <a:off x="5329008" y="581302"/>
-            <a:ext cx="1145210" cy="3307208"/>
+            <a:off x="5329008" y="523167"/>
+            <a:ext cx="1145210" cy="2976458"/>
           </a:xfrm>
           <a:prstGeom prst="rect">
             <a:avLst/>
@@ -964,8 +964,8 @@
         </p:blipFill>
         <p:spPr>
           <a:xfrm>
-            <a:off x="5331406" y="4893180"/>
-            <a:ext cx="1142811" cy="2834750"/>
+            <a:off x="5331407" y="4403819"/>
+            <a:ext cx="1142811" cy="2551250"/>
           </a:xfrm>
           <a:prstGeom prst="rect">
             <a:avLst/>
@@ -1000,8 +1000,8 @@
         </p:blipFill>
         <p:spPr>
           <a:xfrm>
-            <a:off x="5299429" y="12768405"/>
-            <a:ext cx="1204368" cy="2645767"/>
+            <a:off x="5299429" y="11491452"/>
+            <a:ext cx="1204368" cy="2381167"/>
           </a:xfrm>
           <a:prstGeom prst="rect">
             <a:avLst/>
@@ -1036,8 +1036,8 @@
         </p:blipFill>
         <p:spPr>
           <a:xfrm>
-            <a:off x="5359496" y="8641809"/>
-            <a:ext cx="1084229" cy="3212717"/>
+            <a:off x="5359497" y="7777552"/>
+            <a:ext cx="1084229" cy="2891417"/>
           </a:xfrm>
           <a:prstGeom prst="rect">
             <a:avLst/>
@@ -1058,8 +1058,8 @@
         </p:nvSpPr>
         <p:spPr>
           <a:xfrm>
-            <a:off x="501021" y="12273108"/>
-            <a:ext cx="4031186" cy="2905981"/>
+            <a:off x="501021" y="11045690"/>
+            <a:ext cx="4031186" cy="2615357"/>
           </a:xfrm>
           <a:prstGeom prst="rect">
             <a:avLst/>
@@ -1079,21 +1079,21 @@
           </a:ln>
         </p:spPr>
         <p:txBody>
-          <a:bodyPr wrap="square" tIns="85038" bIns="85038" rtlCol="0" anchor="ctr" anchorCtr="0">
+          <a:bodyPr wrap="square" tIns="76533" bIns="76533" rtlCol="0" anchor="ctr" anchorCtr="0">
             <a:normAutofit/>
           </a:bodyPr>
           <a:lstStyle/>
           <a:p>
             <a:pPr algn="ctr">
               <a:spcBef>
-                <a:spcPts val="118"/>
+                <a:spcPts val="106"/>
               </a:spcBef>
               <a:spcAft>
-                <a:spcPts val="118"/>
+                <a:spcPts val="106"/>
               </a:spcAft>
             </a:pPr>
             <a:r>
-              <a:rPr lang="es-PE" sz="1417" dirty="0">
+              <a:rPr lang="es-PE" sz="1275" dirty="0">
                 <a:solidFill>
                   <a:schemeClr val="tx2">
                     <a:lumMod val="75000"/>
@@ -1107,14 +1107,14 @@
           <a:p>
             <a:pPr algn="ctr">
               <a:spcBef>
-                <a:spcPts val="118"/>
+                <a:spcPts val="106"/>
               </a:spcBef>
               <a:spcAft>
-                <a:spcPts val="118"/>
+                <a:spcPts val="106"/>
               </a:spcAft>
             </a:pPr>
             <a:r>
-              <a:rPr lang="es-PE" sz="1417" dirty="0">
+              <a:rPr lang="es-PE" sz="1275" dirty="0">
                 <a:solidFill>
                   <a:schemeClr val="tx2">
                     <a:lumMod val="75000"/>
@@ -1125,7 +1125,7 @@
               <a:t>youtube.com/</a:t>
             </a:r>
             <a:r>
-              <a:rPr lang="es-PE" sz="1417" dirty="0" err="1">
+              <a:rPr lang="es-PE" sz="1275" dirty="0" err="1">
                 <a:solidFill>
                   <a:schemeClr val="tx2">
                     <a:lumMod val="75000"/>
@@ -1135,7 +1135,7 @@
               </a:rPr>
               <a:t>DesarrollaSoftware</a:t>
             </a:r>
-            <a:endParaRPr lang="es-PE" sz="1417" dirty="0">
+            <a:endParaRPr lang="es-PE" sz="1275" dirty="0">
               <a:solidFill>
                 <a:schemeClr val="tx2">
                   <a:lumMod val="75000"/>
@@ -1147,14 +1147,14 @@
           <a:p>
             <a:pPr algn="ctr">
               <a:spcBef>
-                <a:spcPts val="118"/>
+                <a:spcPts val="106"/>
               </a:spcBef>
               <a:spcAft>
-                <a:spcPts val="118"/>
+                <a:spcPts val="106"/>
               </a:spcAft>
             </a:pPr>
             <a:r>
-              <a:rPr lang="es-PE" sz="1417" dirty="0">
+              <a:rPr lang="es-PE" sz="1275" dirty="0">
                 <a:solidFill>
                   <a:schemeClr val="tx2">
                     <a:lumMod val="75000"/>
@@ -1195,8 +1195,8 @@
         </p:blipFill>
         <p:spPr>
           <a:xfrm>
-            <a:off x="589151" y="595863"/>
-            <a:ext cx="1594785" cy="4725568"/>
+            <a:off x="589152" y="536271"/>
+            <a:ext cx="1594785" cy="4252970"/>
           </a:xfrm>
           <a:prstGeom prst="rect">
             <a:avLst/>
@@ -1217,8 +1217,8 @@
         </p:nvSpPr>
         <p:spPr>
           <a:xfrm>
-            <a:off x="273865" y="5837684"/>
-            <a:ext cx="2225358" cy="337657"/>
+            <a:off x="273865" y="5249228"/>
+            <a:ext cx="2225358" cy="313163"/>
           </a:xfrm>
           <a:prstGeom prst="rect">
             <a:avLst/>
@@ -1233,13 +1233,13 @@
           <a:p>
             <a:pPr algn="ctr"/>
             <a:r>
-              <a:rPr lang="es-MX" sz="1594" b="1" dirty="0">
+              <a:rPr lang="es-MX" sz="1435" b="1" dirty="0">
                 <a:latin typeface="Arial Nova" panose="020B0504020202020204" pitchFamily="34" charset="0"/>
                 <a:cs typeface="Arial" panose="020B0604020202020204" pitchFamily="34" charset="0"/>
               </a:rPr>
               <a:t>Gustavo Coronel</a:t>
             </a:r>
-            <a:endParaRPr lang="es-PE" sz="1594" dirty="0">
+            <a:endParaRPr lang="es-PE" sz="1435" dirty="0">
               <a:solidFill>
                 <a:schemeClr val="tx2">
                   <a:lumMod val="75000"/>
@@ -1279,8 +1279,8 @@
         </p:blipFill>
         <p:spPr>
           <a:xfrm>
-            <a:off x="3034141" y="1003878"/>
-            <a:ext cx="1770292" cy="5245618"/>
+            <a:off x="3034141" y="903481"/>
+            <a:ext cx="1770292" cy="4721010"/>
           </a:xfrm>
           <a:prstGeom prst="rect">
             <a:avLst/>
@@ -1315,8 +1315,8 @@
         </p:blipFill>
         <p:spPr>
           <a:xfrm>
-            <a:off x="1186089" y="8232303"/>
-            <a:ext cx="2822915" cy="3804182"/>
+            <a:off x="1186090" y="7409000"/>
+            <a:ext cx="2822915" cy="3423730"/>
           </a:xfrm>
           <a:prstGeom prst="rect">
             <a:avLst/>
@@ -1497,8 +1497,8 @@
         </p:nvSpPr>
         <p:spPr>
           <a:xfrm>
-            <a:off x="504252" y="3954857"/>
-            <a:ext cx="9791257" cy="6266897"/>
+            <a:off x="504253" y="3559337"/>
+            <a:ext cx="9791257" cy="5640152"/>
           </a:xfrm>
         </p:spPr>
         <p:txBody>
@@ -1507,7 +1507,7 @@
           </a:bodyPr>
           <a:lstStyle>
             <a:lvl1pPr algn="ctr">
-              <a:defRPr sz="4783">
+              <a:defRPr sz="4305">
                 <a:solidFill>
                   <a:schemeClr val="tx2">
                     <a:lumMod val="50000"/>
@@ -1537,8 +1537,8 @@
         </p:nvSpPr>
         <p:spPr>
           <a:xfrm>
-            <a:off x="1349971" y="11256413"/>
-            <a:ext cx="8099822" cy="4480246"/>
+            <a:off x="1349971" y="10130672"/>
+            <a:ext cx="8099822" cy="4032182"/>
           </a:xfrm>
         </p:spPr>
         <p:txBody>
@@ -1546,13 +1546,13 @@
           <a:lstStyle>
             <a:lvl1pPr marL="0" indent="0" algn="ctr">
               <a:spcBef>
-                <a:spcPts val="266"/>
+                <a:spcPts val="239"/>
               </a:spcBef>
               <a:spcAft>
-                <a:spcPts val="266"/>
+                <a:spcPts val="239"/>
               </a:spcAft>
               <a:buNone/>
-              <a:defRPr sz="2126">
+              <a:defRPr sz="1913">
                 <a:solidFill>
                   <a:schemeClr val="tx1">
                     <a:lumMod val="50000"/>
@@ -1561,37 +1561,37 @@
                 </a:solidFill>
               </a:defRPr>
             </a:lvl1pPr>
-            <a:lvl2pPr marL="404958" indent="0" algn="ctr">
+            <a:lvl2pPr marL="364462" indent="0" algn="ctr">
               <a:buNone/>
-              <a:defRPr sz="1772"/>
+              <a:defRPr sz="1595"/>
             </a:lvl2pPr>
-            <a:lvl3pPr marL="809914" indent="0" algn="ctr">
+            <a:lvl3pPr marL="728923" indent="0" algn="ctr">
               <a:buNone/>
-              <a:defRPr sz="1594"/>
+              <a:defRPr sz="1435"/>
             </a:lvl3pPr>
-            <a:lvl4pPr marL="1214872" indent="0" algn="ctr">
+            <a:lvl4pPr marL="1093385" indent="0" algn="ctr">
               <a:buNone/>
-              <a:defRPr sz="1417"/>
+              <a:defRPr sz="1275"/>
             </a:lvl4pPr>
-            <a:lvl5pPr marL="1619829" indent="0" algn="ctr">
+            <a:lvl5pPr marL="1457846" indent="0" algn="ctr">
               <a:buNone/>
-              <a:defRPr sz="1417"/>
+              <a:defRPr sz="1275"/>
             </a:lvl5pPr>
-            <a:lvl6pPr marL="2024786" indent="0" algn="ctr">
+            <a:lvl6pPr marL="1822307" indent="0" algn="ctr">
               <a:buNone/>
-              <a:defRPr sz="1417"/>
+              <a:defRPr sz="1275"/>
             </a:lvl6pPr>
-            <a:lvl7pPr marL="2429743" indent="0" algn="ctr">
+            <a:lvl7pPr marL="2186769" indent="0" algn="ctr">
               <a:buNone/>
-              <a:defRPr sz="1417"/>
+              <a:defRPr sz="1275"/>
             </a:lvl7pPr>
-            <a:lvl8pPr marL="2834701" indent="0" algn="ctr">
+            <a:lvl8pPr marL="2551231" indent="0" algn="ctr">
               <a:buNone/>
-              <a:defRPr sz="1417"/>
+              <a:defRPr sz="1275"/>
             </a:lvl8pPr>
-            <a:lvl9pPr marL="3239658" indent="0" algn="ctr">
+            <a:lvl9pPr marL="2915692" indent="0" algn="ctr">
               <a:buNone/>
-              <a:defRPr sz="1417"/>
+              <a:defRPr sz="1275"/>
             </a:lvl9pPr>
           </a:lstStyle>
           <a:p>
@@ -1611,8 +1611,8 @@
         </p:nvSpPr>
         <p:spPr>
           <a:xfrm>
-            <a:off x="3045535" y="174562"/>
-            <a:ext cx="7637884" cy="3393634"/>
+            <a:off x="3827721" y="157104"/>
+            <a:ext cx="6855698" cy="3054241"/>
           </a:xfrm>
           <a:prstGeom prst="rect">
             <a:avLst/>
@@ -1627,11 +1627,10 @@
           <a:p>
             <a:pPr algn="r"/>
             <a:r>
-              <a:rPr lang="es-PE" sz="3189" b="1" dirty="0">
-                <a:solidFill>
-                  <a:schemeClr val="tx1">
-                    <a:lumMod val="50000"/>
-                    <a:lumOff val="50000"/>
+              <a:rPr lang="es-PE" sz="2870" b="1" dirty="0">
+                <a:solidFill>
+                  <a:schemeClr val="tx2">
+                    <a:lumMod val="75000"/>
                   </a:schemeClr>
                 </a:solidFill>
                 <a:latin typeface="Arial" panose="020B0604020202020204" pitchFamily="34" charset="0"/>
@@ -1640,11 +1639,10 @@
               <a:t>ADMINISTRADOR DE</a:t>
             </a:r>
             <a:br>
-              <a:rPr lang="es-PE" sz="3189" b="1" dirty="0">
-                <a:solidFill>
-                  <a:schemeClr val="tx1">
-                    <a:lumMod val="50000"/>
-                    <a:lumOff val="50000"/>
+              <a:rPr lang="es-PE" sz="2870" b="1" dirty="0">
+                <a:solidFill>
+                  <a:schemeClr val="tx2">
+                    <a:lumMod val="75000"/>
                   </a:schemeClr>
                 </a:solidFill>
                 <a:latin typeface="Arial" panose="020B0604020202020204" pitchFamily="34" charset="0"/>
@@ -1652,11 +1650,10 @@
               </a:rPr>
             </a:br>
             <a:r>
-              <a:rPr lang="es-PE" sz="3189" b="1" dirty="0">
-                <a:solidFill>
-                  <a:schemeClr val="tx1">
-                    <a:lumMod val="50000"/>
-                    <a:lumOff val="50000"/>
+              <a:rPr lang="es-PE" sz="2870" b="1" dirty="0">
+                <a:solidFill>
+                  <a:schemeClr val="tx2">
+                    <a:lumMod val="75000"/>
                   </a:schemeClr>
                 </a:solidFill>
                 <a:latin typeface="Arial" panose="020B0604020202020204" pitchFamily="34" charset="0"/>
@@ -1689,8 +1686,8 @@
         </p:blipFill>
         <p:spPr>
           <a:xfrm>
-            <a:off x="90461" y="72000"/>
-            <a:ext cx="1179895" cy="3496192"/>
+            <a:off x="90462" y="64799"/>
+            <a:ext cx="2916000" cy="2916000"/>
           </a:xfrm>
           <a:prstGeom prst="rect">
             <a:avLst/>
@@ -1711,8 +1708,8 @@
         </p:nvSpPr>
         <p:spPr>
           <a:xfrm>
-            <a:off x="2856046" y="16771317"/>
-            <a:ext cx="5087676" cy="337657"/>
+            <a:off x="1506135" y="15355648"/>
+            <a:ext cx="7787491" cy="584775"/>
           </a:xfrm>
           <a:prstGeom prst="rect">
             <a:avLst/>
@@ -1727,7 +1724,7 @@
           <a:p>
             <a:pPr algn="ctr"/>
             <a:r>
-              <a:rPr lang="es-ES" sz="1594" dirty="0">
+              <a:rPr lang="es-ES" sz="3200" dirty="0">
                 <a:solidFill>
                   <a:schemeClr val="bg1">
                     <a:lumMod val="85000"/>
@@ -1787,8 +1784,8 @@
         </p:nvSpPr>
         <p:spPr>
           <a:xfrm>
-            <a:off x="6094152" y="4"/>
-            <a:ext cx="4705611" cy="3114401"/>
+            <a:off x="6094153" y="4"/>
+            <a:ext cx="4705611" cy="2802933"/>
           </a:xfrm>
           <a:prstGeom prst="rect">
             <a:avLst/>
@@ -1822,45 +1819,7 @@
           <a:lstStyle/>
           <a:p>
             <a:pPr algn="ctr"/>
-            <a:endParaRPr lang="es-PE" sz="1594"/>
-          </a:p>
-        </p:txBody>
-      </p:sp>
-      <p:sp>
-        <p:nvSpPr>
-          <p:cNvPr id="9" name="CuadroTexto 8"/>
-          <p:cNvSpPr txBox="1"/>
-          <p:nvPr userDrawn="1"/>
-        </p:nvSpPr>
-        <p:spPr>
-          <a:xfrm>
-            <a:off x="2856046" y="16771317"/>
-            <a:ext cx="5087676" cy="337657"/>
-          </a:xfrm>
-          <a:prstGeom prst="rect">
-            <a:avLst/>
-          </a:prstGeom>
-          <a:noFill/>
-        </p:spPr>
-        <p:txBody>
-          <a:bodyPr wrap="square" rtlCol="0">
-            <a:spAutoFit/>
-          </a:bodyPr>
-          <a:lstStyle/>
-          <a:p>
-            <a:pPr algn="ctr"/>
-            <a:r>
-              <a:rPr lang="es-ES" sz="1594" dirty="0">
-                <a:solidFill>
-                  <a:schemeClr val="bg1">
-                    <a:lumMod val="85000"/>
-                  </a:schemeClr>
-                </a:solidFill>
-                <a:latin typeface="Lucida Console" panose="020B0609040504020204" pitchFamily="49" charset="0"/>
-                <a:cs typeface="Arial"/>
-              </a:rPr>
-              <a:t>www.desarrollasoftware.com</a:t>
-            </a:r>
+            <a:endParaRPr lang="es-PE" sz="1435"/>
           </a:p>
         </p:txBody>
       </p:sp>
@@ -1886,14 +1845,58 @@
         </p:blipFill>
         <p:spPr>
           <a:xfrm>
-            <a:off x="3585606" y="3938121"/>
-            <a:ext cx="3628552" cy="9251632"/>
+            <a:off x="2910527" y="5958219"/>
+            <a:ext cx="4978706" cy="4284000"/>
           </a:xfrm>
           <a:prstGeom prst="rect">
             <a:avLst/>
           </a:prstGeom>
         </p:spPr>
       </p:pic>
+      <p:sp>
+        <p:nvSpPr>
+          <p:cNvPr id="5" name="CuadroTexto 4">
+            <a:extLst>
+              <a:ext uri="{FF2B5EF4-FFF2-40B4-BE49-F238E27FC236}">
+                <a16:creationId xmlns:a16="http://schemas.microsoft.com/office/drawing/2014/main" id="{E97828FA-6916-4886-9AAD-7A45C3CFB3DE}"/>
+              </a:ext>
+            </a:extLst>
+          </p:cNvPr>
+          <p:cNvSpPr txBox="1"/>
+          <p:nvPr userDrawn="1"/>
+        </p:nvSpPr>
+        <p:spPr>
+          <a:xfrm>
+            <a:off x="1506135" y="15355648"/>
+            <a:ext cx="7787491" cy="584775"/>
+          </a:xfrm>
+          <a:prstGeom prst="rect">
+            <a:avLst/>
+          </a:prstGeom>
+          <a:noFill/>
+        </p:spPr>
+        <p:txBody>
+          <a:bodyPr wrap="square" rtlCol="0">
+            <a:spAutoFit/>
+          </a:bodyPr>
+          <a:lstStyle/>
+          <a:p>
+            <a:pPr algn="ctr"/>
+            <a:r>
+              <a:rPr lang="es-ES" sz="3200" dirty="0">
+                <a:solidFill>
+                  <a:schemeClr val="bg1">
+                    <a:lumMod val="85000"/>
+                  </a:schemeClr>
+                </a:solidFill>
+                <a:latin typeface="Lucida Console" panose="020B0609040504020204" pitchFamily="49" charset="0"/>
+                <a:cs typeface="Arial"/>
+              </a:rPr>
+              <a:t>www.desarrollasoftware.com</a:t>
+            </a:r>
+          </a:p>
+        </p:txBody>
+      </p:sp>
     </p:spTree>
     <p:extLst>
       <p:ext uri="{BB962C8B-B14F-4D97-AF65-F5344CB8AC3E}">
@@ -1944,8 +1947,8 @@
         </p:nvSpPr>
         <p:spPr>
           <a:xfrm>
-            <a:off x="452640" y="2345881"/>
-            <a:ext cx="5955751" cy="6336792"/>
+            <a:off x="452640" y="2111272"/>
+            <a:ext cx="5955751" cy="5703057"/>
           </a:xfrm>
         </p:spPr>
         <p:txBody>
@@ -1954,7 +1957,7 @@
           </a:bodyPr>
           <a:lstStyle>
             <a:lvl1pPr algn="ctr">
-              <a:defRPr sz="4783" b="1">
+              <a:defRPr sz="4305" b="1">
                 <a:solidFill>
                   <a:schemeClr val="bg1"/>
                 </a:solidFill>
@@ -1982,8 +1985,8 @@
         </p:nvSpPr>
         <p:spPr>
           <a:xfrm>
-            <a:off x="452640" y="10629232"/>
-            <a:ext cx="5955751" cy="4070405"/>
+            <a:off x="452640" y="9566215"/>
+            <a:ext cx="5955751" cy="3663329"/>
           </a:xfrm>
         </p:spPr>
         <p:txBody>
@@ -1993,13 +1996,13 @@
           <a:lstStyle>
             <a:lvl1pPr marL="0" indent="0" algn="ctr">
               <a:buNone/>
-              <a:defRPr sz="2835" b="1">
+              <a:defRPr sz="2552" b="1">
                 <a:solidFill>
                   <a:schemeClr val="tx1"/>
                 </a:solidFill>
               </a:defRPr>
             </a:lvl1pPr>
-            <a:lvl2pPr marL="404958" indent="0" algn="ctr">
+            <a:lvl2pPr marL="364462" indent="0" algn="ctr">
               <a:buNone/>
               <a:defRPr>
                 <a:solidFill>
@@ -2009,7 +2012,7 @@
                 </a:solidFill>
               </a:defRPr>
             </a:lvl2pPr>
-            <a:lvl3pPr marL="809914" indent="0" algn="ctr">
+            <a:lvl3pPr marL="728923" indent="0" algn="ctr">
               <a:buNone/>
               <a:defRPr>
                 <a:solidFill>
@@ -2019,7 +2022,7 @@
                 </a:solidFill>
               </a:defRPr>
             </a:lvl3pPr>
-            <a:lvl4pPr marL="1214872" indent="0" algn="ctr">
+            <a:lvl4pPr marL="1093385" indent="0" algn="ctr">
               <a:buNone/>
               <a:defRPr>
                 <a:solidFill>
@@ -2029,7 +2032,7 @@
                 </a:solidFill>
               </a:defRPr>
             </a:lvl4pPr>
-            <a:lvl5pPr marL="1619829" indent="0" algn="ctr">
+            <a:lvl5pPr marL="1457846" indent="0" algn="ctr">
               <a:buNone/>
               <a:defRPr>
                 <a:solidFill>
@@ -2039,7 +2042,7 @@
                 </a:solidFill>
               </a:defRPr>
             </a:lvl5pPr>
-            <a:lvl6pPr marL="2024786" indent="0" algn="ctr">
+            <a:lvl6pPr marL="1822307" indent="0" algn="ctr">
               <a:buNone/>
               <a:defRPr>
                 <a:solidFill>
@@ -2049,7 +2052,7 @@
                 </a:solidFill>
               </a:defRPr>
             </a:lvl6pPr>
-            <a:lvl7pPr marL="2429743" indent="0" algn="ctr">
+            <a:lvl7pPr marL="2186769" indent="0" algn="ctr">
               <a:buNone/>
               <a:defRPr>
                 <a:solidFill>
@@ -2059,7 +2062,7 @@
                 </a:solidFill>
               </a:defRPr>
             </a:lvl7pPr>
-            <a:lvl8pPr marL="2834701" indent="0" algn="ctr">
+            <a:lvl8pPr marL="2551231" indent="0" algn="ctr">
               <a:buNone/>
               <a:defRPr>
                 <a:solidFill>
@@ -2069,7 +2072,7 @@
                 </a:solidFill>
               </a:defRPr>
             </a:lvl8pPr>
-            <a:lvl9pPr marL="3239658" indent="0" algn="ctr">
+            <a:lvl9pPr marL="2915692" indent="0" algn="ctr">
               <a:buNone/>
               <a:defRPr>
                 <a:solidFill>
@@ -2103,8 +2106,8 @@
         </p:nvSpPr>
         <p:spPr>
           <a:xfrm>
-            <a:off x="221472" y="16771317"/>
-            <a:ext cx="3734652" cy="337657"/>
+            <a:off x="221472" y="15304419"/>
+            <a:ext cx="5607828" cy="461665"/>
           </a:xfrm>
           <a:prstGeom prst="rect">
             <a:avLst/>
@@ -2119,7 +2122,7 @@
           <a:p>
             <a:pPr algn="l"/>
             <a:r>
-              <a:rPr lang="es-ES" sz="1594" dirty="0">
+              <a:rPr lang="es-ES" sz="2400" dirty="0">
                 <a:solidFill>
                   <a:schemeClr val="bg1">
                     <a:lumMod val="85000"/>
@@ -2155,8 +2158,8 @@
         </p:blipFill>
         <p:spPr>
           <a:xfrm>
-            <a:off x="9108365" y="16677367"/>
-            <a:ext cx="1406832" cy="1228392"/>
+            <a:off x="6643615" y="14941252"/>
+            <a:ext cx="4031561" cy="1188000"/>
           </a:xfrm>
           <a:prstGeom prst="rect">
             <a:avLst/>
@@ -2205,8 +2208,8 @@
         </p:nvSpPr>
         <p:spPr>
           <a:xfrm>
-            <a:off x="638457" y="2014124"/>
-            <a:ext cx="5879519" cy="4056690"/>
+            <a:off x="638458" y="1812694"/>
+            <a:ext cx="5879519" cy="3650985"/>
           </a:xfrm>
         </p:spPr>
         <p:txBody>
@@ -2215,7 +2218,7 @@
           </a:bodyPr>
           <a:lstStyle>
             <a:lvl1pPr algn="ctr">
-              <a:defRPr sz="3543" b="1">
+              <a:defRPr sz="3189" b="1">
                 <a:solidFill>
                   <a:srgbClr val="003399"/>
                 </a:solidFill>
@@ -2243,8 +2246,8 @@
         </p:nvSpPr>
         <p:spPr>
           <a:xfrm>
-            <a:off x="638456" y="6776724"/>
-            <a:ext cx="5879519" cy="7284974"/>
+            <a:off x="638457" y="6098992"/>
+            <a:ext cx="5879519" cy="6556412"/>
           </a:xfrm>
         </p:spPr>
         <p:txBody>
@@ -2254,7 +2257,7 @@
           <a:lstStyle>
             <a:lvl1pPr marL="0" indent="0" algn="ctr">
               <a:buNone/>
-              <a:defRPr sz="2480" b="0">
+              <a:defRPr sz="2232" b="0">
                 <a:solidFill>
                   <a:schemeClr val="tx1">
                     <a:lumMod val="75000"/>
@@ -2263,37 +2266,37 @@
                 </a:solidFill>
               </a:defRPr>
             </a:lvl1pPr>
-            <a:lvl2pPr marL="404958" indent="0" algn="ctr">
+            <a:lvl2pPr marL="364462" indent="0" algn="ctr">
               <a:buNone/>
-              <a:defRPr sz="1772"/>
+              <a:defRPr sz="1595"/>
             </a:lvl2pPr>
-            <a:lvl3pPr marL="809914" indent="0" algn="ctr">
+            <a:lvl3pPr marL="728923" indent="0" algn="ctr">
               <a:buNone/>
-              <a:defRPr sz="1594"/>
+              <a:defRPr sz="1435"/>
             </a:lvl3pPr>
-            <a:lvl4pPr marL="1214872" indent="0" algn="ctr">
+            <a:lvl4pPr marL="1093385" indent="0" algn="ctr">
               <a:buNone/>
-              <a:defRPr sz="1417"/>
+              <a:defRPr sz="1275"/>
             </a:lvl4pPr>
-            <a:lvl5pPr marL="1619829" indent="0" algn="ctr">
+            <a:lvl5pPr marL="1457846" indent="0" algn="ctr">
               <a:buNone/>
-              <a:defRPr sz="1417"/>
+              <a:defRPr sz="1275"/>
             </a:lvl5pPr>
-            <a:lvl6pPr marL="2024786" indent="0" algn="ctr">
+            <a:lvl6pPr marL="1822307" indent="0" algn="ctr">
               <a:buNone/>
-              <a:defRPr sz="1417"/>
+              <a:defRPr sz="1275"/>
             </a:lvl6pPr>
-            <a:lvl7pPr marL="2429743" indent="0" algn="ctr">
+            <a:lvl7pPr marL="2186769" indent="0" algn="ctr">
               <a:buNone/>
-              <a:defRPr sz="1417"/>
+              <a:defRPr sz="1275"/>
             </a:lvl7pPr>
-            <a:lvl8pPr marL="2834701" indent="0" algn="ctr">
+            <a:lvl8pPr marL="2551231" indent="0" algn="ctr">
               <a:buNone/>
-              <a:defRPr sz="1417"/>
+              <a:defRPr sz="1275"/>
             </a:lvl8pPr>
-            <a:lvl9pPr marL="3239658" indent="0" algn="ctr">
+            <a:lvl9pPr marL="2915692" indent="0" algn="ctr">
               <a:buNone/>
-              <a:defRPr sz="1417"/>
+              <a:defRPr sz="1275"/>
             </a:lvl9pPr>
           </a:lstStyle>
           <a:p>
@@ -2328,8 +2331,8 @@
         </p:blipFill>
         <p:spPr bwMode="auto">
           <a:xfrm>
-            <a:off x="7423249" y="6894372"/>
-            <a:ext cx="2885783" cy="8550971"/>
+            <a:off x="7423250" y="6204874"/>
+            <a:ext cx="2885783" cy="7695799"/>
           </a:xfrm>
           <a:prstGeom prst="rect">
             <a:avLst/>
@@ -2348,10 +2351,10 @@
       </p:pic>
       <p:sp>
         <p:nvSpPr>
-          <p:cNvPr id="7" name="CuadroTexto 6">
+          <p:cNvPr id="9" name="CuadroTexto 8">
             <a:extLst>
               <a:ext uri="{FF2B5EF4-FFF2-40B4-BE49-F238E27FC236}">
-                <a16:creationId xmlns:a16="http://schemas.microsoft.com/office/drawing/2014/main" id="{9E6BA2F6-8B16-4FE3-9A4F-467AEED3F559}"/>
+                <a16:creationId xmlns:a16="http://schemas.microsoft.com/office/drawing/2014/main" id="{12273267-EDF7-4810-91ED-61E137361997}"/>
               </a:ext>
             </a:extLst>
           </p:cNvPr>
@@ -2360,8 +2363,8 @@
         </p:nvSpPr>
         <p:spPr>
           <a:xfrm>
-            <a:off x="221472" y="16771317"/>
-            <a:ext cx="3734652" cy="337657"/>
+            <a:off x="221472" y="15304419"/>
+            <a:ext cx="5607828" cy="461665"/>
           </a:xfrm>
           <a:prstGeom prst="rect">
             <a:avLst/>
@@ -2376,7 +2379,7 @@
           <a:p>
             <a:pPr algn="l"/>
             <a:r>
-              <a:rPr lang="es-ES" sz="1594" dirty="0">
+              <a:rPr lang="es-ES" sz="2400" dirty="0">
                 <a:solidFill>
                   <a:schemeClr val="bg1">
                     <a:lumMod val="85000"/>
@@ -2392,10 +2395,10 @@
       </p:sp>
       <p:pic>
         <p:nvPicPr>
-          <p:cNvPr id="8" name="Imagen 7">
+          <p:cNvPr id="10" name="Imagen 9">
             <a:extLst>
               <a:ext uri="{FF2B5EF4-FFF2-40B4-BE49-F238E27FC236}">
-                <a16:creationId xmlns:a16="http://schemas.microsoft.com/office/drawing/2014/main" id="{B71BE374-443A-48A2-9F69-2862FE627256}"/>
+                <a16:creationId xmlns:a16="http://schemas.microsoft.com/office/drawing/2014/main" id="{ACF6B91C-99AC-4E82-8F5E-EA77986CED1E}"/>
               </a:ext>
             </a:extLst>
           </p:cNvPr>
@@ -2412,8 +2415,8 @@
         </p:blipFill>
         <p:spPr>
           <a:xfrm>
-            <a:off x="9108365" y="16677367"/>
-            <a:ext cx="1406832" cy="1228392"/>
+            <a:off x="6643615" y="14941252"/>
+            <a:ext cx="4031561" cy="1188000"/>
           </a:xfrm>
           <a:prstGeom prst="rect">
             <a:avLst/>
@@ -2462,8 +2465,8 @@
         </p:nvSpPr>
         <p:spPr>
           <a:xfrm>
-            <a:off x="4974648" y="4025806"/>
-            <a:ext cx="5187864" cy="11563121"/>
+            <a:off x="4974648" y="3623190"/>
+            <a:ext cx="5187864" cy="10406707"/>
           </a:xfrm>
         </p:spPr>
         <p:txBody>
@@ -2471,10 +2474,10 @@
             <a:normAutofit/>
           </a:bodyPr>
           <a:lstStyle>
-            <a:lvl1pPr marL="404947" indent="-404947" algn="l">
+            <a:lvl1pPr marL="364452" indent="-364452" algn="l">
               <a:buFont typeface="Wingdings" panose="05000000000000000000" pitchFamily="2" charset="2"/>
               <a:buChar char="§"/>
-              <a:defRPr sz="2598">
+              <a:defRPr sz="2338">
                 <a:solidFill>
                   <a:schemeClr val="tx1">
                     <a:lumMod val="85000"/>
@@ -2483,7 +2486,7 @@
                 </a:solidFill>
               </a:defRPr>
             </a:lvl1pPr>
-            <a:lvl2pPr marL="539930" indent="0" algn="ctr">
+            <a:lvl2pPr marL="485937" indent="0" algn="ctr">
               <a:buNone/>
               <a:defRPr>
                 <a:solidFill>
@@ -2493,7 +2496,7 @@
                 </a:solidFill>
               </a:defRPr>
             </a:lvl2pPr>
-            <a:lvl3pPr marL="1079859" indent="0" algn="ctr">
+            <a:lvl3pPr marL="971873" indent="0" algn="ctr">
               <a:buNone/>
               <a:defRPr>
                 <a:solidFill>
@@ -2503,7 +2506,7 @@
                 </a:solidFill>
               </a:defRPr>
             </a:lvl3pPr>
-            <a:lvl4pPr marL="1619789" indent="0" algn="ctr">
+            <a:lvl4pPr marL="1457810" indent="0" algn="ctr">
               <a:buNone/>
               <a:defRPr>
                 <a:solidFill>
@@ -2513,7 +2516,7 @@
                 </a:solidFill>
               </a:defRPr>
             </a:lvl4pPr>
-            <a:lvl5pPr marL="2159718" indent="0" algn="ctr">
+            <a:lvl5pPr marL="1943746" indent="0" algn="ctr">
               <a:buNone/>
               <a:defRPr>
                 <a:solidFill>
@@ -2523,7 +2526,7 @@
                 </a:solidFill>
               </a:defRPr>
             </a:lvl5pPr>
-            <a:lvl6pPr marL="2699648" indent="0" algn="ctr">
+            <a:lvl6pPr marL="2429683" indent="0" algn="ctr">
               <a:buNone/>
               <a:defRPr>
                 <a:solidFill>
@@ -2533,7 +2536,7 @@
                 </a:solidFill>
               </a:defRPr>
             </a:lvl6pPr>
-            <a:lvl7pPr marL="3239578" indent="0" algn="ctr">
+            <a:lvl7pPr marL="2915620" indent="0" algn="ctr">
               <a:buNone/>
               <a:defRPr>
                 <a:solidFill>
@@ -2543,7 +2546,7 @@
                 </a:solidFill>
               </a:defRPr>
             </a:lvl7pPr>
-            <a:lvl8pPr marL="3779507" indent="0" algn="ctr">
+            <a:lvl8pPr marL="3401556" indent="0" algn="ctr">
               <a:buNone/>
               <a:defRPr>
                 <a:solidFill>
@@ -2553,7 +2556,7 @@
                 </a:solidFill>
               </a:defRPr>
             </a:lvl8pPr>
-            <a:lvl9pPr marL="4319436" indent="0" algn="ctr">
+            <a:lvl9pPr marL="3887492" indent="0" algn="ctr">
               <a:buNone/>
               <a:defRPr>
                 <a:solidFill>
@@ -2581,8 +2584,8 @@
         </p:nvSpPr>
         <p:spPr>
           <a:xfrm>
-            <a:off x="807347" y="1188151"/>
-            <a:ext cx="9865446" cy="1512035"/>
+            <a:off x="807347" y="1069326"/>
+            <a:ext cx="9865446" cy="1360818"/>
           </a:xfrm>
           <a:prstGeom prst="rect">
             <a:avLst/>
@@ -2617,7 +2620,7 @@
           <a:lstStyle/>
           <a:p>
             <a:pPr algn="ctr"/>
-            <a:endParaRPr lang="es-PE" sz="2126" dirty="0"/>
+            <a:endParaRPr lang="es-PE" sz="1913" dirty="0"/>
           </a:p>
         </p:txBody>
       </p:sp>
@@ -2629,8 +2632,8 @@
         </p:nvSpPr>
         <p:spPr>
           <a:xfrm>
-            <a:off x="4974647" y="1742986"/>
-            <a:ext cx="5102817" cy="528606"/>
+            <a:off x="4974648" y="1568672"/>
+            <a:ext cx="5102817" cy="485069"/>
           </a:xfrm>
           <a:prstGeom prst="rect">
             <a:avLst/>
@@ -2644,7 +2647,7 @@
           <a:lstStyle/>
           <a:p>
             <a:r>
-              <a:rPr lang="es-PE" sz="2835" b="1" dirty="0">
+              <a:rPr lang="es-PE" sz="2552" b="1" dirty="0">
                 <a:solidFill>
                   <a:schemeClr val="accent1"/>
                 </a:solidFill>
@@ -2664,8 +2667,8 @@
         </p:nvSpPr>
         <p:spPr>
           <a:xfrm>
-            <a:off x="11252" y="33336"/>
-            <a:ext cx="2678379" cy="4212221"/>
+            <a:off x="11253" y="30002"/>
+            <a:ext cx="2678379" cy="3790962"/>
           </a:xfrm>
           <a:prstGeom prst="rect">
             <a:avLst/>
@@ -2700,16 +2703,16 @@
           <a:lstStyle/>
           <a:p>
             <a:pPr algn="ctr"/>
-            <a:endParaRPr lang="es-PE" sz="2126"/>
+            <a:endParaRPr lang="es-PE" sz="1913"/>
           </a:p>
         </p:txBody>
       </p:sp>
       <p:sp>
         <p:nvSpPr>
-          <p:cNvPr id="8" name="CuadroTexto 7">
+          <p:cNvPr id="11" name="CuadroTexto 10">
             <a:extLst>
               <a:ext uri="{FF2B5EF4-FFF2-40B4-BE49-F238E27FC236}">
-                <a16:creationId xmlns:a16="http://schemas.microsoft.com/office/drawing/2014/main" id="{5129E070-602B-414C-BE5F-581A7EA96E31}"/>
+                <a16:creationId xmlns:a16="http://schemas.microsoft.com/office/drawing/2014/main" id="{38DA370C-49AF-4FF0-93C9-332262037696}"/>
               </a:ext>
             </a:extLst>
           </p:cNvPr>
@@ -2718,8 +2721,8 @@
         </p:nvSpPr>
         <p:spPr>
           <a:xfrm>
-            <a:off x="221472" y="16771317"/>
-            <a:ext cx="3734652" cy="337657"/>
+            <a:off x="221472" y="15304419"/>
+            <a:ext cx="5607828" cy="461665"/>
           </a:xfrm>
           <a:prstGeom prst="rect">
             <a:avLst/>
@@ -2734,7 +2737,7 @@
           <a:p>
             <a:pPr algn="l"/>
             <a:r>
-              <a:rPr lang="es-ES" sz="1594" dirty="0">
+              <a:rPr lang="es-ES" sz="2400" dirty="0">
                 <a:solidFill>
                   <a:schemeClr val="bg1">
                     <a:lumMod val="85000"/>
@@ -2750,10 +2753,10 @@
       </p:sp>
       <p:pic>
         <p:nvPicPr>
-          <p:cNvPr id="9" name="Imagen 8">
+          <p:cNvPr id="12" name="Imagen 11">
             <a:extLst>
               <a:ext uri="{FF2B5EF4-FFF2-40B4-BE49-F238E27FC236}">
-                <a16:creationId xmlns:a16="http://schemas.microsoft.com/office/drawing/2014/main" id="{309993AA-0C1F-4243-8F0F-F3C831344B08}"/>
+                <a16:creationId xmlns:a16="http://schemas.microsoft.com/office/drawing/2014/main" id="{42A3F75E-F0DB-4DBC-BF53-BB6E19B7C69A}"/>
               </a:ext>
             </a:extLst>
           </p:cNvPr>
@@ -2770,8 +2773,8 @@
         </p:blipFill>
         <p:spPr>
           <a:xfrm>
-            <a:off x="9108365" y="16677367"/>
-            <a:ext cx="1406832" cy="1228392"/>
+            <a:off x="6643615" y="14941252"/>
+            <a:ext cx="4031561" cy="1188000"/>
           </a:xfrm>
           <a:prstGeom prst="rect">
             <a:avLst/>
@@ -2843,8 +2846,8 @@
         </p:nvSpPr>
         <p:spPr>
           <a:xfrm>
-            <a:off x="539988" y="2771530"/>
-            <a:ext cx="9719788" cy="13229059"/>
+            <a:off x="539988" y="2494353"/>
+            <a:ext cx="9719788" cy="11906036"/>
           </a:xfrm>
         </p:spPr>
         <p:txBody>
@@ -2927,7 +2930,7 @@
         </p:nvCxnSpPr>
         <p:spPr>
           <a:xfrm>
-            <a:off x="1" y="2558669"/>
+            <a:off x="1" y="2302780"/>
             <a:ext cx="10778504" cy="0"/>
           </a:xfrm>
           <a:prstGeom prst="line">
@@ -2970,8 +2973,8 @@
         </p:nvSpPr>
         <p:spPr>
           <a:xfrm>
-            <a:off x="221472" y="16771317"/>
-            <a:ext cx="3734652" cy="337657"/>
+            <a:off x="221472" y="15094038"/>
+            <a:ext cx="3734652" cy="313163"/>
           </a:xfrm>
           <a:prstGeom prst="rect">
             <a:avLst/>
@@ -2986,7 +2989,7 @@
           <a:p>
             <a:pPr algn="l"/>
             <a:r>
-              <a:rPr lang="es-ES" sz="1594" dirty="0">
+              <a:rPr lang="es-ES" sz="1435" dirty="0">
                 <a:solidFill>
                   <a:schemeClr val="bg1">
                     <a:lumMod val="85000"/>
@@ -3022,8 +3025,8 @@
         </p:blipFill>
         <p:spPr>
           <a:xfrm>
-            <a:off x="9108365" y="16677367"/>
-            <a:ext cx="1406832" cy="1228392"/>
+            <a:off x="9108365" y="15009483"/>
+            <a:ext cx="1406832" cy="1105542"/>
           </a:xfrm>
           <a:prstGeom prst="rect">
             <a:avLst/>
@@ -3076,10 +3079,10 @@
           <a:lstStyle/>
           <a:p>
             <a:r>
-              <a:rPr lang="es-ES_tradnl"/>
+              <a:rPr lang="es-ES_tradnl" dirty="0"/>
               <a:t>Clic para editar título</a:t>
             </a:r>
-            <a:endParaRPr lang="es-ES"/>
+            <a:endParaRPr lang="es-ES" dirty="0"/>
           </a:p>
         </p:txBody>
       </p:sp>
@@ -3091,7 +3094,7 @@
         </p:nvCxnSpPr>
         <p:spPr>
           <a:xfrm>
-            <a:off x="1" y="2580489"/>
+            <a:off x="1" y="2322417"/>
             <a:ext cx="10778504" cy="0"/>
           </a:xfrm>
           <a:prstGeom prst="line">
@@ -3134,8 +3137,8 @@
         </p:nvSpPr>
         <p:spPr>
           <a:xfrm>
-            <a:off x="221472" y="16771317"/>
-            <a:ext cx="3734652" cy="337657"/>
+            <a:off x="221472" y="15094038"/>
+            <a:ext cx="3734652" cy="313163"/>
           </a:xfrm>
           <a:prstGeom prst="rect">
             <a:avLst/>
@@ -3150,7 +3153,7 @@
           <a:p>
             <a:pPr algn="l"/>
             <a:r>
-              <a:rPr lang="es-ES" sz="1594" dirty="0">
+              <a:rPr lang="es-ES" sz="1435" dirty="0">
                 <a:solidFill>
                   <a:schemeClr val="bg1">
                     <a:lumMod val="85000"/>
@@ -3186,8 +3189,8 @@
         </p:blipFill>
         <p:spPr>
           <a:xfrm>
-            <a:off x="9108365" y="16677367"/>
-            <a:ext cx="1406832" cy="1228392"/>
+            <a:off x="9108365" y="15009483"/>
+            <a:ext cx="1406832" cy="1105542"/>
           </a:xfrm>
           <a:prstGeom prst="rect">
             <a:avLst/>
@@ -3238,8 +3241,8 @@
         </p:nvSpPr>
         <p:spPr>
           <a:xfrm>
-            <a:off x="267137" y="17019053"/>
-            <a:ext cx="4928044" cy="523220"/>
+            <a:off x="267137" y="15316998"/>
+            <a:ext cx="4928044" cy="480131"/>
           </a:xfrm>
           <a:prstGeom prst="rect">
             <a:avLst/>
@@ -3254,7 +3257,7 @@
           <a:p>
             <a:pPr algn="l"/>
             <a:r>
-              <a:rPr lang="es-ES" sz="2800" dirty="0">
+              <a:rPr lang="es-ES" sz="2520" dirty="0">
                 <a:solidFill>
                   <a:schemeClr val="bg1">
                     <a:lumMod val="85000"/>
@@ -3290,8 +3293,8 @@
         </p:blipFill>
         <p:spPr>
           <a:xfrm>
-            <a:off x="6378897" y="16668663"/>
-            <a:ext cx="4153729" cy="1224000"/>
+            <a:off x="6378898" y="15001650"/>
+            <a:ext cx="4153729" cy="1101589"/>
           </a:xfrm>
           <a:prstGeom prst="rect">
             <a:avLst/>
@@ -3341,8 +3344,8 @@
         </p:nvSpPr>
         <p:spPr>
           <a:xfrm>
-            <a:off x="-2" y="16271325"/>
-            <a:ext cx="10799765" cy="842664"/>
+            <a:off x="-2" y="14644049"/>
+            <a:ext cx="10799765" cy="758390"/>
           </a:xfrm>
           <a:prstGeom prst="rect">
             <a:avLst/>
@@ -3379,8 +3382,8 @@
         </p:nvSpPr>
         <p:spPr>
           <a:xfrm>
-            <a:off x="-2" y="16550610"/>
-            <a:ext cx="10799765" cy="1450053"/>
+            <a:off x="-2" y="14895403"/>
+            <a:ext cx="10799765" cy="1305035"/>
           </a:xfrm>
           <a:prstGeom prst="rect">
             <a:avLst/>
@@ -3421,8 +3424,8 @@
         </p:nvSpPr>
         <p:spPr>
           <a:xfrm>
-            <a:off x="539988" y="269049"/>
-            <a:ext cx="9719788" cy="2078817"/>
+            <a:off x="539988" y="242142"/>
+            <a:ext cx="9719788" cy="1870917"/>
           </a:xfrm>
           <a:prstGeom prst="rect">
             <a:avLst/>
@@ -3458,8 +3461,8 @@
         </p:nvSpPr>
         <p:spPr>
           <a:xfrm>
-            <a:off x="539988" y="2672267"/>
-            <a:ext cx="9719788" cy="13071174"/>
+            <a:off x="539988" y="2405017"/>
+            <a:ext cx="9719788" cy="11763941"/>
           </a:xfrm>
           <a:prstGeom prst="rect">
             <a:avLst/>
@@ -3529,12 +3532,12 @@
   </p:sldLayoutIdLst>
   <p:txStyles>
     <p:titleStyle>
-      <a:lvl1pPr algn="l" defTabSz="404958" rtl="0" eaLnBrk="1" latinLnBrk="0" hangingPunct="1">
+      <a:lvl1pPr algn="l" defTabSz="364462" rtl="0" eaLnBrk="1" latinLnBrk="0" hangingPunct="1">
         <a:spcBef>
           <a:spcPct val="0"/>
         </a:spcBef>
         <a:buNone/>
-        <a:defRPr sz="3189" b="1" kern="1200">
+        <a:defRPr sz="2870" b="1" kern="1200">
           <a:solidFill>
             <a:schemeClr val="accent1"/>
           </a:solidFill>
@@ -3545,19 +3548,19 @@
       </a:lvl1pPr>
     </p:titleStyle>
     <p:bodyStyle>
-      <a:lvl1pPr marL="303718" indent="-303718" algn="l" defTabSz="404958" rtl="0" eaLnBrk="1" latinLnBrk="0" hangingPunct="1">
+      <a:lvl1pPr marL="273346" indent="-273346" algn="l" defTabSz="364462" rtl="0" eaLnBrk="1" latinLnBrk="0" hangingPunct="1">
         <a:lnSpc>
           <a:spcPct val="120000"/>
         </a:lnSpc>
         <a:spcBef>
-          <a:spcPts val="531"/>
+          <a:spcPts val="478"/>
         </a:spcBef>
         <a:spcAft>
-          <a:spcPts val="531"/>
+          <a:spcPts val="478"/>
         </a:spcAft>
         <a:buFont typeface="Arial"/>
         <a:buChar char="•"/>
-        <a:defRPr sz="2835" kern="1200">
+        <a:defRPr sz="2552" kern="1200">
           <a:solidFill>
             <a:schemeClr val="tx1">
               <a:lumMod val="85000"/>
@@ -3569,19 +3572,19 @@
           <a:cs typeface="+mn-cs"/>
         </a:defRPr>
       </a:lvl1pPr>
-      <a:lvl2pPr marL="658056" indent="-253099" algn="l" defTabSz="404958" rtl="0" eaLnBrk="1" latinLnBrk="0" hangingPunct="1">
+      <a:lvl2pPr marL="592250" indent="-227789" algn="l" defTabSz="364462" rtl="0" eaLnBrk="1" latinLnBrk="0" hangingPunct="1">
         <a:lnSpc>
           <a:spcPct val="120000"/>
         </a:lnSpc>
         <a:spcBef>
-          <a:spcPts val="531"/>
+          <a:spcPts val="478"/>
         </a:spcBef>
         <a:spcAft>
-          <a:spcPts val="531"/>
+          <a:spcPts val="478"/>
         </a:spcAft>
         <a:buFont typeface="Arial"/>
         <a:buChar char="–"/>
-        <a:defRPr sz="2480" kern="1200">
+        <a:defRPr sz="2232" kern="1200">
           <a:solidFill>
             <a:schemeClr val="tx1">
               <a:lumMod val="85000"/>
@@ -3593,19 +3596,19 @@
           <a:cs typeface="+mn-cs"/>
         </a:defRPr>
       </a:lvl2pPr>
-      <a:lvl3pPr marL="1012393" indent="-202479" algn="l" defTabSz="404958" rtl="0" eaLnBrk="1" latinLnBrk="0" hangingPunct="1">
+      <a:lvl3pPr marL="911154" indent="-182231" algn="l" defTabSz="364462" rtl="0" eaLnBrk="1" latinLnBrk="0" hangingPunct="1">
         <a:lnSpc>
           <a:spcPct val="120000"/>
         </a:lnSpc>
         <a:spcBef>
-          <a:spcPts val="531"/>
+          <a:spcPts val="478"/>
         </a:spcBef>
         <a:spcAft>
-          <a:spcPts val="531"/>
+          <a:spcPts val="478"/>
         </a:spcAft>
         <a:buFont typeface="Arial"/>
         <a:buChar char="•"/>
-        <a:defRPr sz="2126" kern="1200">
+        <a:defRPr sz="1913" kern="1200">
           <a:solidFill>
             <a:schemeClr val="tx1">
               <a:lumMod val="85000"/>
@@ -3617,19 +3620,19 @@
           <a:cs typeface="+mn-cs"/>
         </a:defRPr>
       </a:lvl3pPr>
-      <a:lvl4pPr marL="1417351" indent="-202479" algn="l" defTabSz="404958" rtl="0" eaLnBrk="1" latinLnBrk="0" hangingPunct="1">
+      <a:lvl4pPr marL="1275616" indent="-182231" algn="l" defTabSz="364462" rtl="0" eaLnBrk="1" latinLnBrk="0" hangingPunct="1">
         <a:lnSpc>
           <a:spcPct val="120000"/>
         </a:lnSpc>
         <a:spcBef>
-          <a:spcPts val="531"/>
+          <a:spcPts val="478"/>
         </a:spcBef>
         <a:spcAft>
-          <a:spcPts val="531"/>
+          <a:spcPts val="478"/>
         </a:spcAft>
         <a:buFont typeface="Arial"/>
         <a:buChar char="–"/>
-        <a:defRPr sz="1772" kern="1200">
+        <a:defRPr sz="1595" kern="1200">
           <a:solidFill>
             <a:schemeClr val="tx1">
               <a:lumMod val="85000"/>
@@ -3641,19 +3644,19 @@
           <a:cs typeface="+mn-cs"/>
         </a:defRPr>
       </a:lvl4pPr>
-      <a:lvl5pPr marL="1822308" indent="-202479" algn="l" defTabSz="404958" rtl="0" eaLnBrk="1" latinLnBrk="0" hangingPunct="1">
+      <a:lvl5pPr marL="1640077" indent="-182231" algn="l" defTabSz="364462" rtl="0" eaLnBrk="1" latinLnBrk="0" hangingPunct="1">
         <a:lnSpc>
           <a:spcPct val="120000"/>
         </a:lnSpc>
         <a:spcBef>
-          <a:spcPts val="531"/>
+          <a:spcPts val="478"/>
         </a:spcBef>
         <a:spcAft>
-          <a:spcPts val="531"/>
+          <a:spcPts val="478"/>
         </a:spcAft>
         <a:buFont typeface="Arial"/>
         <a:buChar char="»"/>
-        <a:defRPr sz="1772" kern="1200">
+        <a:defRPr sz="1595" kern="1200">
           <a:solidFill>
             <a:schemeClr val="tx1">
               <a:lumMod val="85000"/>
@@ -3665,13 +3668,13 @@
           <a:cs typeface="+mn-cs"/>
         </a:defRPr>
       </a:lvl5pPr>
-      <a:lvl6pPr marL="2227265" indent="-202479" algn="l" defTabSz="404958" rtl="0" eaLnBrk="1" latinLnBrk="0" hangingPunct="1">
+      <a:lvl6pPr marL="2004539" indent="-182231" algn="l" defTabSz="364462" rtl="0" eaLnBrk="1" latinLnBrk="0" hangingPunct="1">
         <a:spcBef>
           <a:spcPct val="20000"/>
         </a:spcBef>
         <a:buFont typeface="Arial"/>
         <a:buChar char="•"/>
-        <a:defRPr sz="1772" kern="1200">
+        <a:defRPr sz="1595" kern="1200">
           <a:solidFill>
             <a:schemeClr val="tx1"/>
           </a:solidFill>
@@ -3680,13 +3683,13 @@
           <a:cs typeface="+mn-cs"/>
         </a:defRPr>
       </a:lvl6pPr>
-      <a:lvl7pPr marL="2632223" indent="-202479" algn="l" defTabSz="404958" rtl="0" eaLnBrk="1" latinLnBrk="0" hangingPunct="1">
+      <a:lvl7pPr marL="2369001" indent="-182231" algn="l" defTabSz="364462" rtl="0" eaLnBrk="1" latinLnBrk="0" hangingPunct="1">
         <a:spcBef>
           <a:spcPct val="20000"/>
         </a:spcBef>
         <a:buFont typeface="Arial"/>
         <a:buChar char="•"/>
-        <a:defRPr sz="1772" kern="1200">
+        <a:defRPr sz="1595" kern="1200">
           <a:solidFill>
             <a:schemeClr val="tx1"/>
           </a:solidFill>
@@ -3695,13 +3698,13 @@
           <a:cs typeface="+mn-cs"/>
         </a:defRPr>
       </a:lvl7pPr>
-      <a:lvl8pPr marL="3037180" indent="-202479" algn="l" defTabSz="404958" rtl="0" eaLnBrk="1" latinLnBrk="0" hangingPunct="1">
+      <a:lvl8pPr marL="2733462" indent="-182231" algn="l" defTabSz="364462" rtl="0" eaLnBrk="1" latinLnBrk="0" hangingPunct="1">
         <a:spcBef>
           <a:spcPct val="20000"/>
         </a:spcBef>
         <a:buFont typeface="Arial"/>
         <a:buChar char="•"/>
-        <a:defRPr sz="1772" kern="1200">
+        <a:defRPr sz="1595" kern="1200">
           <a:solidFill>
             <a:schemeClr val="tx1"/>
           </a:solidFill>
@@ -3710,13 +3713,13 @@
           <a:cs typeface="+mn-cs"/>
         </a:defRPr>
       </a:lvl8pPr>
-      <a:lvl9pPr marL="3442137" indent="-202479" algn="l" defTabSz="404958" rtl="0" eaLnBrk="1" latinLnBrk="0" hangingPunct="1">
+      <a:lvl9pPr marL="3097923" indent="-182231" algn="l" defTabSz="364462" rtl="0" eaLnBrk="1" latinLnBrk="0" hangingPunct="1">
         <a:spcBef>
           <a:spcPct val="20000"/>
         </a:spcBef>
         <a:buFont typeface="Arial"/>
         <a:buChar char="•"/>
-        <a:defRPr sz="1772" kern="1200">
+        <a:defRPr sz="1595" kern="1200">
           <a:solidFill>
             <a:schemeClr val="tx1"/>
           </a:solidFill>
@@ -3730,8 +3733,8 @@
       <a:defPPr>
         <a:defRPr lang="es-ES"/>
       </a:defPPr>
-      <a:lvl1pPr marL="0" algn="l" defTabSz="404958" rtl="0" eaLnBrk="1" latinLnBrk="0" hangingPunct="1">
-        <a:defRPr sz="1594" kern="1200">
+      <a:lvl1pPr marL="0" algn="l" defTabSz="364462" rtl="0" eaLnBrk="1" latinLnBrk="0" hangingPunct="1">
+        <a:defRPr sz="1435" kern="1200">
           <a:solidFill>
             <a:schemeClr val="tx1"/>
           </a:solidFill>
@@ -3740,8 +3743,8 @@
           <a:cs typeface="+mn-cs"/>
         </a:defRPr>
       </a:lvl1pPr>
-      <a:lvl2pPr marL="404958" algn="l" defTabSz="404958" rtl="0" eaLnBrk="1" latinLnBrk="0" hangingPunct="1">
-        <a:defRPr sz="1594" kern="1200">
+      <a:lvl2pPr marL="364462" algn="l" defTabSz="364462" rtl="0" eaLnBrk="1" latinLnBrk="0" hangingPunct="1">
+        <a:defRPr sz="1435" kern="1200">
           <a:solidFill>
             <a:schemeClr val="tx1"/>
           </a:solidFill>
@@ -3750,8 +3753,8 @@
           <a:cs typeface="+mn-cs"/>
         </a:defRPr>
       </a:lvl2pPr>
-      <a:lvl3pPr marL="809914" algn="l" defTabSz="404958" rtl="0" eaLnBrk="1" latinLnBrk="0" hangingPunct="1">
-        <a:defRPr sz="1594" kern="1200">
+      <a:lvl3pPr marL="728923" algn="l" defTabSz="364462" rtl="0" eaLnBrk="1" latinLnBrk="0" hangingPunct="1">
+        <a:defRPr sz="1435" kern="1200">
           <a:solidFill>
             <a:schemeClr val="tx1"/>
           </a:solidFill>
@@ -3760,8 +3763,8 @@
           <a:cs typeface="+mn-cs"/>
         </a:defRPr>
       </a:lvl3pPr>
-      <a:lvl4pPr marL="1214872" algn="l" defTabSz="404958" rtl="0" eaLnBrk="1" latinLnBrk="0" hangingPunct="1">
-        <a:defRPr sz="1594" kern="1200">
+      <a:lvl4pPr marL="1093385" algn="l" defTabSz="364462" rtl="0" eaLnBrk="1" latinLnBrk="0" hangingPunct="1">
+        <a:defRPr sz="1435" kern="1200">
           <a:solidFill>
             <a:schemeClr val="tx1"/>
           </a:solidFill>
@@ -3770,8 +3773,8 @@
           <a:cs typeface="+mn-cs"/>
         </a:defRPr>
       </a:lvl4pPr>
-      <a:lvl5pPr marL="1619829" algn="l" defTabSz="404958" rtl="0" eaLnBrk="1" latinLnBrk="0" hangingPunct="1">
-        <a:defRPr sz="1594" kern="1200">
+      <a:lvl5pPr marL="1457846" algn="l" defTabSz="364462" rtl="0" eaLnBrk="1" latinLnBrk="0" hangingPunct="1">
+        <a:defRPr sz="1435" kern="1200">
           <a:solidFill>
             <a:schemeClr val="tx1"/>
           </a:solidFill>
@@ -3780,8 +3783,8 @@
           <a:cs typeface="+mn-cs"/>
         </a:defRPr>
       </a:lvl5pPr>
-      <a:lvl6pPr marL="2024786" algn="l" defTabSz="404958" rtl="0" eaLnBrk="1" latinLnBrk="0" hangingPunct="1">
-        <a:defRPr sz="1594" kern="1200">
+      <a:lvl6pPr marL="1822307" algn="l" defTabSz="364462" rtl="0" eaLnBrk="1" latinLnBrk="0" hangingPunct="1">
+        <a:defRPr sz="1435" kern="1200">
           <a:solidFill>
             <a:schemeClr val="tx1"/>
           </a:solidFill>
@@ -3790,8 +3793,8 @@
           <a:cs typeface="+mn-cs"/>
         </a:defRPr>
       </a:lvl6pPr>
-      <a:lvl7pPr marL="2429743" algn="l" defTabSz="404958" rtl="0" eaLnBrk="1" latinLnBrk="0" hangingPunct="1">
-        <a:defRPr sz="1594" kern="1200">
+      <a:lvl7pPr marL="2186769" algn="l" defTabSz="364462" rtl="0" eaLnBrk="1" latinLnBrk="0" hangingPunct="1">
+        <a:defRPr sz="1435" kern="1200">
           <a:solidFill>
             <a:schemeClr val="tx1"/>
           </a:solidFill>
@@ -3800,8 +3803,8 @@
           <a:cs typeface="+mn-cs"/>
         </a:defRPr>
       </a:lvl7pPr>
-      <a:lvl8pPr marL="2834701" algn="l" defTabSz="404958" rtl="0" eaLnBrk="1" latinLnBrk="0" hangingPunct="1">
-        <a:defRPr sz="1594" kern="1200">
+      <a:lvl8pPr marL="2551231" algn="l" defTabSz="364462" rtl="0" eaLnBrk="1" latinLnBrk="0" hangingPunct="1">
+        <a:defRPr sz="1435" kern="1200">
           <a:solidFill>
             <a:schemeClr val="tx1"/>
           </a:solidFill>
@@ -3810,8 +3813,8 @@
           <a:cs typeface="+mn-cs"/>
         </a:defRPr>
       </a:lvl8pPr>
-      <a:lvl9pPr marL="3239658" algn="l" defTabSz="404958" rtl="0" eaLnBrk="1" latinLnBrk="0" hangingPunct="1">
-        <a:defRPr sz="1594" kern="1200">
+      <a:lvl9pPr marL="2915692" algn="l" defTabSz="364462" rtl="0" eaLnBrk="1" latinLnBrk="0" hangingPunct="1">
+        <a:defRPr sz="1435" kern="1200">
           <a:solidFill>
             <a:schemeClr val="tx1"/>
           </a:solidFill>
@@ -3870,8 +3873,8 @@
         </p:blipFill>
         <p:spPr>
           <a:xfrm>
-            <a:off x="1029497" y="4862200"/>
-            <a:ext cx="2700000" cy="2631419"/>
+            <a:off x="597739" y="4375938"/>
+            <a:ext cx="2429976" cy="2368254"/>
           </a:xfrm>
           <a:prstGeom prst="rect">
             <a:avLst/>
@@ -3906,8 +3909,8 @@
         </p:blipFill>
         <p:spPr>
           <a:xfrm>
-            <a:off x="1029497" y="7870210"/>
-            <a:ext cx="2700000" cy="2260241"/>
+            <a:off x="597739" y="7083119"/>
+            <a:ext cx="2429976" cy="2034197"/>
           </a:xfrm>
           <a:prstGeom prst="rect">
             <a:avLst/>
@@ -3942,8 +3945,8 @@
         </p:blipFill>
         <p:spPr>
           <a:xfrm>
-            <a:off x="1029497" y="13583633"/>
-            <a:ext cx="2700000" cy="2001739"/>
+            <a:off x="597739" y="12225150"/>
+            <a:ext cx="2429976" cy="1801547"/>
           </a:xfrm>
           <a:prstGeom prst="rect">
             <a:avLst/>
@@ -3978,8 +3981,8 @@
         </p:blipFill>
         <p:spPr>
           <a:xfrm>
-            <a:off x="1029497" y="10507042"/>
-            <a:ext cx="2700000" cy="2700000"/>
+            <a:off x="597739" y="9456246"/>
+            <a:ext cx="2429976" cy="2429976"/>
           </a:xfrm>
           <a:prstGeom prst="rect">
             <a:avLst/>
@@ -4014,8 +4017,8 @@
         </p:blipFill>
         <p:spPr>
           <a:xfrm>
-            <a:off x="456806" y="586127"/>
-            <a:ext cx="3665382" cy="3665382"/>
+            <a:off x="597739" y="604028"/>
+            <a:ext cx="3298811" cy="3298811"/>
           </a:xfrm>
           <a:prstGeom prst="rect">
             <a:avLst/>
@@ -4050,8 +4053,8 @@
         </p:blipFill>
         <p:spPr>
           <a:xfrm>
-            <a:off x="7490057" y="2856362"/>
-            <a:ext cx="2822915" cy="1283836"/>
+            <a:off x="7661425" y="2727299"/>
+            <a:ext cx="2540599" cy="1155441"/>
           </a:xfrm>
           <a:prstGeom prst="rect">
             <a:avLst/>
@@ -4072,8 +4075,8 @@
         </p:nvSpPr>
         <p:spPr>
           <a:xfrm>
-            <a:off x="4880343" y="671148"/>
-            <a:ext cx="5432629" cy="2185214"/>
+            <a:off x="4510417" y="604028"/>
+            <a:ext cx="5691607" cy="2062103"/>
           </a:xfrm>
           <a:prstGeom prst="rect">
             <a:avLst/>
@@ -4088,19 +4091,25 @@
           <a:p>
             <a:pPr algn="r"/>
             <a:r>
-              <a:rPr lang="es-PE" sz="4000" dirty="0">
+              <a:rPr lang="es-PE" sz="3600">
                 <a:solidFill>
                   <a:srgbClr val="FF0000"/>
                 </a:solidFill>
                 <a:latin typeface="Fjalla One" panose="02000506040000020004" pitchFamily="2" charset="0"/>
               </a:rPr>
-              <a:t>CUPÓN NVIDEÑO</a:t>
-            </a:r>
+              <a:t>CUPÓN NAVIDEÑO</a:t>
+            </a:r>
+            <a:endParaRPr lang="es-PE" sz="3600" dirty="0">
+              <a:solidFill>
+                <a:srgbClr val="FF0000"/>
+              </a:solidFill>
+              <a:latin typeface="Fjalla One" panose="02000506040000020004" pitchFamily="2" charset="0"/>
+            </a:endParaRPr>
           </a:p>
           <a:p>
             <a:pPr algn="r"/>
             <a:r>
-              <a:rPr lang="es-PE" sz="9600" spc="133" dirty="0">
+              <a:rPr lang="es-PE" sz="9200" spc="120" dirty="0">
                 <a:solidFill>
                   <a:srgbClr val="832BDB"/>
                 </a:solidFill>
@@ -4126,8 +4135,8 @@
         </p:nvSpPr>
         <p:spPr>
           <a:xfrm>
-            <a:off x="4411578" y="4865619"/>
-            <a:ext cx="5775159" cy="2628000"/>
+            <a:off x="3896550" y="4379015"/>
+            <a:ext cx="6305474" cy="2365177"/>
           </a:xfrm>
           <a:prstGeom prst="rect">
             <a:avLst/>
@@ -4182,8 +4191,8 @@
         </p:nvSpPr>
         <p:spPr>
           <a:xfrm>
-            <a:off x="4411577" y="7776330"/>
-            <a:ext cx="5775159" cy="2448000"/>
+            <a:off x="3896550" y="6998629"/>
+            <a:ext cx="6305473" cy="2203178"/>
           </a:xfrm>
           <a:prstGeom prst="rect">
             <a:avLst/>
@@ -4251,8 +4260,8 @@
         </p:nvSpPr>
         <p:spPr>
           <a:xfrm>
-            <a:off x="4411577" y="10507042"/>
-            <a:ext cx="5775159" cy="2700000"/>
+            <a:off x="3896550" y="9456246"/>
+            <a:ext cx="6305473" cy="2429976"/>
           </a:xfrm>
           <a:prstGeom prst="rect">
             <a:avLst/>
@@ -4307,8 +4316,8 @@
         </p:nvSpPr>
         <p:spPr>
           <a:xfrm>
-            <a:off x="4411577" y="13583633"/>
-            <a:ext cx="5775159" cy="2016000"/>
+            <a:off x="3896550" y="12225150"/>
+            <a:ext cx="6305473" cy="1814382"/>
           </a:xfrm>
           <a:prstGeom prst="rect">
             <a:avLst/>
@@ -4407,8 +4416,8 @@
         </p:blipFill>
         <p:spPr>
           <a:xfrm>
-            <a:off x="745564" y="4862200"/>
-            <a:ext cx="2700000" cy="2631419"/>
+            <a:off x="1211037" y="4375938"/>
+            <a:ext cx="2429976" cy="2368254"/>
           </a:xfrm>
           <a:prstGeom prst="rect">
             <a:avLst/>
@@ -4443,8 +4452,8 @@
         </p:blipFill>
         <p:spPr>
           <a:xfrm>
-            <a:off x="849497" y="7876052"/>
-            <a:ext cx="2700000" cy="2260241"/>
+            <a:off x="1304576" y="7088378"/>
+            <a:ext cx="2429976" cy="2034197"/>
           </a:xfrm>
           <a:prstGeom prst="rect">
             <a:avLst/>
@@ -4479,8 +4488,8 @@
         </p:blipFill>
         <p:spPr>
           <a:xfrm>
-            <a:off x="939497" y="13749152"/>
-            <a:ext cx="2700000" cy="2001739"/>
+            <a:off x="1385575" y="12374117"/>
+            <a:ext cx="2429976" cy="1801547"/>
           </a:xfrm>
           <a:prstGeom prst="rect">
             <a:avLst/>
@@ -4515,8 +4524,8 @@
         </p:blipFill>
         <p:spPr>
           <a:xfrm>
-            <a:off x="1029497" y="10718428"/>
-            <a:ext cx="2520000" cy="2520000"/>
+            <a:off x="1466574" y="9646491"/>
+            <a:ext cx="2267978" cy="2267978"/>
           </a:xfrm>
           <a:prstGeom prst="rect">
             <a:avLst/>
@@ -4551,8 +4560,8 @@
         </p:blipFill>
         <p:spPr>
           <a:xfrm>
-            <a:off x="456806" y="586127"/>
-            <a:ext cx="3665382" cy="3665382"/>
+            <a:off x="951157" y="527510"/>
+            <a:ext cx="3298811" cy="3298811"/>
           </a:xfrm>
           <a:prstGeom prst="rect">
             <a:avLst/>
@@ -4587,8 +4596,8 @@
         </p:blipFill>
         <p:spPr>
           <a:xfrm>
-            <a:off x="7490057" y="2856362"/>
-            <a:ext cx="2822915" cy="1283836"/>
+            <a:off x="7281021" y="2570701"/>
+            <a:ext cx="2540599" cy="1155441"/>
           </a:xfrm>
           <a:prstGeom prst="rect">
             <a:avLst/>
@@ -4609,8 +4618,8 @@
         </p:nvSpPr>
         <p:spPr>
           <a:xfrm>
-            <a:off x="6282924" y="5041576"/>
-            <a:ext cx="3330137" cy="2874727"/>
+            <a:off x="6194612" y="4537375"/>
+            <a:ext cx="2997094" cy="2587229"/>
           </a:xfrm>
           <a:prstGeom prst="rect">
             <a:avLst/>
@@ -4624,7 +4633,7 @@
           <a:lstStyle/>
           <a:p>
             <a:r>
-              <a:rPr lang="es-PE" sz="1772" b="1" dirty="0">
+              <a:rPr lang="es-PE" sz="1595" b="1" dirty="0">
                 <a:solidFill>
                   <a:schemeClr val="tx2">
                     <a:lumMod val="50000"/>
@@ -4637,7 +4646,7 @@
           </a:p>
           <a:p>
             <a:r>
-              <a:rPr lang="es-PE" sz="1594" dirty="0">
+              <a:rPr lang="es-PE" sz="1435" dirty="0">
                 <a:solidFill>
                   <a:schemeClr val="tx1">
                     <a:lumMod val="50000"/>
@@ -4650,7 +4659,7 @@
             </a:r>
           </a:p>
           <a:p>
-            <a:endParaRPr lang="es-PE" sz="2598" dirty="0">
+            <a:endParaRPr lang="es-PE" sz="2338" dirty="0">
               <a:solidFill>
                 <a:schemeClr val="tx1">
                   <a:lumMod val="50000"/>
@@ -4661,7 +4670,7 @@
             </a:endParaRPr>
           </a:p>
           <a:p>
-            <a:endParaRPr lang="es-PE" sz="2598" dirty="0">
+            <a:endParaRPr lang="es-PE" sz="2338" dirty="0">
               <a:solidFill>
                 <a:schemeClr val="tx1">
                   <a:lumMod val="50000"/>
@@ -4673,7 +4682,7 @@
           </a:p>
           <a:p>
             <a:r>
-              <a:rPr lang="es-PE" sz="1772" b="1" dirty="0">
+              <a:rPr lang="es-PE" sz="1595" b="1" dirty="0">
                 <a:solidFill>
                   <a:schemeClr val="tx2">
                     <a:lumMod val="50000"/>
@@ -4686,7 +4695,7 @@
           </a:p>
           <a:p>
             <a:r>
-              <a:rPr lang="es-PE" sz="1772" b="1" dirty="0">
+              <a:rPr lang="es-PE" sz="1595" b="1" dirty="0">
                 <a:solidFill>
                   <a:schemeClr val="tx2">
                     <a:lumMod val="50000"/>
@@ -4699,7 +4708,7 @@
           </a:p>
           <a:p>
             <a:r>
-              <a:rPr lang="es-PE" sz="1594" dirty="0">
+              <a:rPr lang="es-PE" sz="1435" dirty="0">
                 <a:solidFill>
                   <a:schemeClr val="tx1">
                     <a:lumMod val="50000"/>
@@ -4727,8 +4736,8 @@
         </p:nvSpPr>
         <p:spPr>
           <a:xfrm>
-            <a:off x="4880343" y="671148"/>
-            <a:ext cx="5432629" cy="2185214"/>
+            <a:off x="4932302" y="604028"/>
+            <a:ext cx="4889318" cy="1975926"/>
           </a:xfrm>
           <a:prstGeom prst="rect">
             <a:avLst/>
@@ -4743,7 +4752,7 @@
           <a:p>
             <a:pPr algn="r"/>
             <a:r>
-              <a:rPr lang="es-PE" sz="4000" dirty="0">
+              <a:rPr lang="es-PE" sz="3600" dirty="0">
                 <a:solidFill>
                   <a:srgbClr val="FF0000"/>
                 </a:solidFill>
@@ -4755,7 +4764,7 @@
           <a:p>
             <a:pPr algn="r"/>
             <a:r>
-              <a:rPr lang="es-PE" sz="9600" spc="133" dirty="0">
+              <a:rPr lang="es-PE" sz="8640" spc="120" dirty="0">
                 <a:solidFill>
                   <a:srgbClr val="832BDB"/>
                 </a:solidFill>
@@ -4781,8 +4790,8 @@
         </p:nvSpPr>
         <p:spPr>
           <a:xfrm>
-            <a:off x="5585198" y="11978428"/>
-            <a:ext cx="3330137" cy="2874727"/>
+            <a:off x="5566665" y="10780480"/>
+            <a:ext cx="2997094" cy="2587229"/>
           </a:xfrm>
           <a:prstGeom prst="rect">
             <a:avLst/>
@@ -4796,7 +4805,7 @@
           <a:lstStyle/>
           <a:p>
             <a:r>
-              <a:rPr lang="es-PE" sz="1772" b="1" dirty="0">
+              <a:rPr lang="es-PE" sz="1595" b="1" dirty="0">
                 <a:solidFill>
                   <a:schemeClr val="tx2">
                     <a:lumMod val="50000"/>
@@ -4809,7 +4818,7 @@
           </a:p>
           <a:p>
             <a:r>
-              <a:rPr lang="es-PE" sz="1594" dirty="0">
+              <a:rPr lang="es-PE" sz="1435" dirty="0">
                 <a:solidFill>
                   <a:schemeClr val="tx1">
                     <a:lumMod val="50000"/>
@@ -4822,7 +4831,7 @@
             </a:r>
           </a:p>
           <a:p>
-            <a:endParaRPr lang="es-PE" sz="2598" dirty="0">
+            <a:endParaRPr lang="es-PE" sz="2338" dirty="0">
               <a:solidFill>
                 <a:schemeClr val="tx1">
                   <a:lumMod val="50000"/>
@@ -4833,7 +4842,7 @@
             </a:endParaRPr>
           </a:p>
           <a:p>
-            <a:endParaRPr lang="es-PE" sz="2598" dirty="0">
+            <a:endParaRPr lang="es-PE" sz="2338" dirty="0">
               <a:solidFill>
                 <a:schemeClr val="tx1">
                   <a:lumMod val="50000"/>
@@ -4845,7 +4854,7 @@
           </a:p>
           <a:p>
             <a:r>
-              <a:rPr lang="es-PE" sz="1772" b="1" dirty="0">
+              <a:rPr lang="es-PE" sz="1595" b="1" dirty="0">
                 <a:solidFill>
                   <a:schemeClr val="tx2">
                     <a:lumMod val="50000"/>
@@ -4858,7 +4867,7 @@
           </a:p>
           <a:p>
             <a:r>
-              <a:rPr lang="es-PE" sz="1594" dirty="0">
+              <a:rPr lang="es-PE" sz="1435" dirty="0">
                 <a:solidFill>
                   <a:schemeClr val="tx1">
                     <a:lumMod val="50000"/>
@@ -4886,8 +4895,8 @@
         </p:nvSpPr>
         <p:spPr>
           <a:xfrm>
-            <a:off x="5824988" y="8836720"/>
-            <a:ext cx="3330137" cy="2874727"/>
+            <a:off x="5782474" y="7952971"/>
+            <a:ext cx="2997094" cy="2587229"/>
           </a:xfrm>
           <a:prstGeom prst="rect">
             <a:avLst/>
@@ -4901,7 +4910,7 @@
           <a:lstStyle/>
           <a:p>
             <a:r>
-              <a:rPr lang="es-PE" sz="1772" b="1" dirty="0">
+              <a:rPr lang="es-PE" sz="1595" b="1" dirty="0">
                 <a:solidFill>
                   <a:schemeClr val="tx2">
                     <a:lumMod val="50000"/>
@@ -4914,7 +4923,7 @@
           </a:p>
           <a:p>
             <a:r>
-              <a:rPr lang="es-PE" sz="1594" dirty="0">
+              <a:rPr lang="es-PE" sz="1435" dirty="0">
                 <a:solidFill>
                   <a:schemeClr val="tx1">
                     <a:lumMod val="50000"/>

--- a/img/Publicidad2.pptx
+++ b/img/Publicidad2.pptx
@@ -215,7 +215,7 @@
           <a:p>
             <a:fld id="{792B3D31-0F96-4966-A431-66F6EDEF5F72}" type="datetimeFigureOut">
               <a:rPr lang="es-PE" smtClean="0"/>
-              <a:t>19/12/2021</a:t>
+              <a:t>9/07/2022</a:t>
             </a:fld>
             <a:endParaRPr lang="es-PE"/>
           </a:p>
@@ -380,7 +380,7 @@
           <a:p>
             <a:fld id="{41E43016-2B50-BC4A-8493-4E9F6F3489B7}" type="datetimeFigureOut">
               <a:rPr lang="es-ES" smtClean="0"/>
-              <a:t>19/12/2021</a:t>
+              <a:t>09/07/2022</a:t>
             </a:fld>
             <a:endParaRPr lang="es-ES"/>
           </a:p>
@@ -4075,8 +4075,8 @@
         </p:nvSpPr>
         <p:spPr>
           <a:xfrm>
-            <a:off x="4510417" y="604028"/>
-            <a:ext cx="5691607" cy="2062103"/>
+            <a:off x="3896551" y="604028"/>
+            <a:ext cx="6305474" cy="2215991"/>
           </a:xfrm>
           <a:prstGeom prst="rect">
             <a:avLst/>
@@ -4091,32 +4091,43 @@
           <a:p>
             <a:pPr algn="r"/>
             <a:r>
-              <a:rPr lang="es-PE" sz="3600">
+              <a:rPr lang="es-PE" sz="3600" dirty="0">
                 <a:solidFill>
                   <a:srgbClr val="FF0000"/>
                 </a:solidFill>
                 <a:latin typeface="Fjalla One" panose="02000506040000020004" pitchFamily="2" charset="0"/>
               </a:rPr>
-              <a:t>CUPÓN NAVIDEÑO</a:t>
-            </a:r>
-            <a:endParaRPr lang="es-PE" sz="3600" dirty="0">
-              <a:solidFill>
-                <a:srgbClr val="FF0000"/>
-              </a:solidFill>
-              <a:latin typeface="Fjalla One" panose="02000506040000020004" pitchFamily="2" charset="0"/>
-            </a:endParaRPr>
+              <a:t>CUPÓN JULIO 2022</a:t>
+            </a:r>
           </a:p>
           <a:p>
             <a:pPr algn="r"/>
             <a:r>
-              <a:rPr lang="es-PE" sz="9200" spc="120" dirty="0">
+              <a:rPr lang="es-PE" sz="8600" spc="120" dirty="0">
                 <a:solidFill>
                   <a:srgbClr val="832BDB"/>
                 </a:solidFill>
                 <a:latin typeface="Impact" panose="020B0806030902050204" pitchFamily="34" charset="0"/>
                 <a:ea typeface="Roboto Black" panose="02000000000000000000" pitchFamily="2" charset="0"/>
               </a:rPr>
-              <a:t>DIC2021A</a:t>
+              <a:t>JULIO202201</a:t>
+            </a:r>
+          </a:p>
+          <a:p>
+            <a:pPr algn="r"/>
+            <a:r>
+              <a:rPr lang="es-PE" sz="1600" spc="120" dirty="0">
+                <a:solidFill>
+                  <a:schemeClr val="tx1">
+                    <a:lumMod val="50000"/>
+                    <a:lumOff val="50000"/>
+                  </a:schemeClr>
+                </a:solidFill>
+                <a:latin typeface="Arial" panose="020B0604020202020204" pitchFamily="34" charset="0"/>
+                <a:ea typeface="Roboto Black" panose="02000000000000000000" pitchFamily="2" charset="0"/>
+                <a:cs typeface="Arial" panose="020B0604020202020204" pitchFamily="34" charset="0"/>
+              </a:rPr>
+              <a:t>Vence el 13/07/2022</a:t>
             </a:r>
           </a:p>
         </p:txBody>

--- a/img/Publicidad2.pptx
+++ b/img/Publicidad2.pptx
@@ -215,7 +215,7 @@
           <a:p>
             <a:fld id="{792B3D31-0F96-4966-A431-66F6EDEF5F72}" type="datetimeFigureOut">
               <a:rPr lang="es-PE" smtClean="0"/>
-              <a:t>9/07/2022</a:t>
+              <a:t>10/12/2022</a:t>
             </a:fld>
             <a:endParaRPr lang="es-PE"/>
           </a:p>
@@ -380,7 +380,7 @@
           <a:p>
             <a:fld id="{41E43016-2B50-BC4A-8493-4E9F6F3489B7}" type="datetimeFigureOut">
               <a:rPr lang="es-ES" smtClean="0"/>
-              <a:t>09/07/2022</a:t>
+              <a:t>10/12/2022</a:t>
             </a:fld>
             <a:endParaRPr lang="es-ES"/>
           </a:p>
@@ -4076,7 +4076,7 @@
         <p:spPr>
           <a:xfrm>
             <a:off x="3896551" y="604028"/>
-            <a:ext cx="6305474" cy="2215991"/>
+            <a:ext cx="6305474" cy="2123658"/>
           </a:xfrm>
           <a:prstGeom prst="rect">
             <a:avLst/>
@@ -4097,20 +4097,20 @@
                 </a:solidFill>
                 <a:latin typeface="Fjalla One" panose="02000506040000020004" pitchFamily="2" charset="0"/>
               </a:rPr>
-              <a:t>CUPÓN JULIO 2022</a:t>
+              <a:t>CUPÓN DICIEMBRE 2022</a:t>
             </a:r>
           </a:p>
           <a:p>
             <a:pPr algn="r"/>
             <a:r>
-              <a:rPr lang="es-PE" sz="8600" spc="120" dirty="0">
+              <a:rPr lang="es-PE" sz="8000" spc="120" dirty="0">
                 <a:solidFill>
                   <a:srgbClr val="832BDB"/>
                 </a:solidFill>
                 <a:latin typeface="Impact" panose="020B0806030902050204" pitchFamily="34" charset="0"/>
                 <a:ea typeface="Roboto Black" panose="02000000000000000000" pitchFamily="2" charset="0"/>
               </a:rPr>
-              <a:t>JULIO202201</a:t>
+              <a:t>NAVIDAD2022</a:t>
             </a:r>
           </a:p>
           <a:p>
@@ -4127,7 +4127,7 @@
                 <a:ea typeface="Roboto Black" panose="02000000000000000000" pitchFamily="2" charset="0"/>
                 <a:cs typeface="Arial" panose="020B0604020202020204" pitchFamily="34" charset="0"/>
               </a:rPr>
-              <a:t>Vence el 13/07/2022</a:t>
+              <a:t>Desde el 11.DIC.2022 por 5 días</a:t>
             </a:r>
           </a:p>
         </p:txBody>
